--- a/kari/マニュアルver3.pptx
+++ b/kari/マニュアルver3.pptx
@@ -18032,6 +18032,158 @@
               <a:t>January 25, 2024</a:t>
             </a:fld>
             <a:endParaRPr lang="en-US" dirty="0"/>
+          </a:p>
+        </p:txBody>
+      </p:sp>
+      <p:sp>
+        <p:nvSpPr>
+          <p:cNvPr id="9" name="テキスト ボックス 8">
+            <a:extLst>
+              <a:ext uri="{FF2B5EF4-FFF2-40B4-BE49-F238E27FC236}">
+                <a16:creationId xmlns:a16="http://schemas.microsoft.com/office/drawing/2014/main" id="{45000AAA-D4A2-4D98-864A-20EE7946C4E0}"/>
+              </a:ext>
+            </a:extLst>
+          </p:cNvPr>
+          <p:cNvSpPr txBox="1"/>
+          <p:nvPr/>
+        </p:nvSpPr>
+        <p:spPr>
+          <a:xfrm>
+            <a:off x="561892" y="2688056"/>
+            <a:ext cx="6997148" cy="2862322"/>
+          </a:xfrm>
+          <a:prstGeom prst="rect">
+            <a:avLst/>
+          </a:prstGeom>
+          <a:noFill/>
+        </p:spPr>
+        <p:txBody>
+          <a:bodyPr wrap="square">
+            <a:spAutoFit/>
+          </a:bodyPr>
+          <a:lstStyle/>
+          <a:p>
+            <a:r>
+              <a:rPr lang="ja-JP" altLang="en-US" dirty="0"/>
+              <a:t>品名も欲しい</a:t>
+            </a:r>
+          </a:p>
+          <a:p>
+            <a:r>
+              <a:rPr lang="ja-JP" altLang="en-US" dirty="0"/>
+              <a:t>出庫数</a:t>
+            </a:r>
+            <a:r>
+              <a:rPr lang="en-US" altLang="ja-JP" dirty="0"/>
+              <a:t>0</a:t>
+            </a:r>
+            <a:r>
+              <a:rPr lang="ja-JP" altLang="en-US" dirty="0"/>
+              <a:t>だと、入庫</a:t>
+            </a:r>
+            <a:r>
+              <a:rPr lang="en-US" altLang="ja-JP" dirty="0"/>
+              <a:t>/</a:t>
+            </a:r>
+            <a:r>
+              <a:rPr lang="ja-JP" altLang="en-US" dirty="0"/>
+              <a:t>出庫が</a:t>
+            </a:r>
+            <a:r>
+              <a:rPr lang="en-US" altLang="ja-JP" dirty="0"/>
+              <a:t>inf</a:t>
+            </a:r>
+            <a:r>
+              <a:rPr lang="ja-JP" altLang="en-US" dirty="0"/>
+              <a:t>になる</a:t>
+            </a:r>
+          </a:p>
+          <a:p>
+            <a:r>
+              <a:rPr lang="ja-JP" altLang="en-US" dirty="0"/>
+              <a:t>差分の方がいい？</a:t>
+            </a:r>
+          </a:p>
+          <a:p>
+            <a:r>
+              <a:rPr lang="ja-JP" altLang="en-US" dirty="0"/>
+              <a:t>日量数が</a:t>
+            </a:r>
+            <a:r>
+              <a:rPr lang="en-US" altLang="ja-JP" dirty="0"/>
+              <a:t>0.18</a:t>
+            </a:r>
+            <a:r>
+              <a:rPr lang="ja-JP" altLang="en-US" dirty="0"/>
+              <a:t>で、納入数が</a:t>
+            </a:r>
+            <a:r>
+              <a:rPr lang="en-US" altLang="ja-JP" dirty="0"/>
+              <a:t>2</a:t>
+            </a:r>
+            <a:r>
+              <a:rPr lang="ja-JP" altLang="en-US" dirty="0"/>
+              <a:t>だと、比率は</a:t>
+            </a:r>
+            <a:r>
+              <a:rPr lang="en-US" altLang="ja-JP" dirty="0"/>
+              <a:t>10</a:t>
+            </a:r>
+            <a:r>
+              <a:rPr lang="ja-JP" altLang="en-US" dirty="0"/>
+              <a:t>とかになる</a:t>
+            </a:r>
+          </a:p>
+          <a:p>
+            <a:r>
+              <a:rPr lang="ja-JP" altLang="en-US" dirty="0"/>
+              <a:t>日量数が</a:t>
+            </a:r>
+            <a:r>
+              <a:rPr lang="en-US" altLang="ja-JP" dirty="0"/>
+              <a:t>0.18→</a:t>
+            </a:r>
+            <a:r>
+              <a:rPr lang="ja-JP" altLang="en-US" dirty="0"/>
+              <a:t>１にするべき</a:t>
+            </a:r>
+          </a:p>
+          <a:p>
+            <a:endParaRPr lang="ja-JP" altLang="en-US" dirty="0"/>
+          </a:p>
+          <a:p>
+            <a:r>
+              <a:rPr lang="ja-JP" altLang="en-US" dirty="0"/>
+              <a:t>値のスケールが違うので揃えないといけない</a:t>
+            </a:r>
+          </a:p>
+          <a:p>
+            <a:r>
+              <a:rPr lang="en-US" altLang="ja-JP" dirty="0"/>
+              <a:t>time-</a:t>
+            </a:r>
+            <a:r>
+              <a:rPr lang="en-US" altLang="ja-JP" dirty="0" err="1"/>
+              <a:t>gpt</a:t>
+            </a:r>
+            <a:endParaRPr lang="en-US" altLang="ja-JP" dirty="0"/>
+          </a:p>
+          <a:p>
+            <a:endParaRPr lang="en-US" altLang="ja-JP" dirty="0"/>
+          </a:p>
+          <a:p>
+            <a:r>
+              <a:rPr lang="ja-JP" altLang="en-US" dirty="0"/>
+              <a:t>手配数</a:t>
+            </a:r>
+            <a:r>
+              <a:rPr lang="en-US" altLang="ja-JP" dirty="0"/>
+              <a:t>_○○</a:t>
+            </a:r>
+            <a:r>
+              <a:rPr lang="ja-JP" altLang="en-US" dirty="0"/>
+              <a:t>次の○○次には対応してない</a:t>
+            </a:r>
           </a:p>
         </p:txBody>
       </p:sp>
